--- a/模拟中的一些细节.pptx
+++ b/模拟中的一些细节.pptx
@@ -6,6 +6,7 @@
   </p:sldMasterIdLst>
   <p:sldIdLst>
     <p:sldId id="256" r:id="rId2"/>
+    <p:sldId id="257" r:id="rId3"/>
   </p:sldIdLst>
   <p:sldSz cx="12192000" cy="6858000"/>
   <p:notesSz cx="6858000" cy="9144000"/>
@@ -104,6 +105,11 @@
       </a:defRPr>
     </a:lvl9pPr>
   </p:defaultTextStyle>
+  <p:extLst>
+    <p:ext uri="{EFAFB233-063F-42B5-8137-9DF3F51BA10A}">
+      <p15:sldGuideLst xmlns:p15="http://schemas.microsoft.com/office/powerpoint/2012/main"/>
+    </p:ext>
+  </p:extLst>
 </p:presentation>
 </file>
 
@@ -238,7 +244,7 @@
           <a:p>
             <a:fld id="{8104E847-BE6B-44A1-AE02-280133FDCD15}" type="datetimeFigureOut">
               <a:rPr lang="zh-CN" altLang="en-US" smtClean="0"/>
-              <a:t>2018/5/2</a:t>
+              <a:t>2018/5/5</a:t>
             </a:fld>
             <a:endParaRPr lang="zh-CN" altLang="en-US"/>
           </a:p>
@@ -408,7 +414,7 @@
           <a:p>
             <a:fld id="{8104E847-BE6B-44A1-AE02-280133FDCD15}" type="datetimeFigureOut">
               <a:rPr lang="zh-CN" altLang="en-US" smtClean="0"/>
-              <a:t>2018/5/2</a:t>
+              <a:t>2018/5/5</a:t>
             </a:fld>
             <a:endParaRPr lang="zh-CN" altLang="en-US"/>
           </a:p>
@@ -588,7 +594,7 @@
           <a:p>
             <a:fld id="{8104E847-BE6B-44A1-AE02-280133FDCD15}" type="datetimeFigureOut">
               <a:rPr lang="zh-CN" altLang="en-US" smtClean="0"/>
-              <a:t>2018/5/2</a:t>
+              <a:t>2018/5/5</a:t>
             </a:fld>
             <a:endParaRPr lang="zh-CN" altLang="en-US"/>
           </a:p>
@@ -758,7 +764,7 @@
           <a:p>
             <a:fld id="{8104E847-BE6B-44A1-AE02-280133FDCD15}" type="datetimeFigureOut">
               <a:rPr lang="zh-CN" altLang="en-US" smtClean="0"/>
-              <a:t>2018/5/2</a:t>
+              <a:t>2018/5/5</a:t>
             </a:fld>
             <a:endParaRPr lang="zh-CN" altLang="en-US"/>
           </a:p>
@@ -1004,7 +1010,7 @@
           <a:p>
             <a:fld id="{8104E847-BE6B-44A1-AE02-280133FDCD15}" type="datetimeFigureOut">
               <a:rPr lang="zh-CN" altLang="en-US" smtClean="0"/>
-              <a:t>2018/5/2</a:t>
+              <a:t>2018/5/5</a:t>
             </a:fld>
             <a:endParaRPr lang="zh-CN" altLang="en-US"/>
           </a:p>
@@ -1236,7 +1242,7 @@
           <a:p>
             <a:fld id="{8104E847-BE6B-44A1-AE02-280133FDCD15}" type="datetimeFigureOut">
               <a:rPr lang="zh-CN" altLang="en-US" smtClean="0"/>
-              <a:t>2018/5/2</a:t>
+              <a:t>2018/5/5</a:t>
             </a:fld>
             <a:endParaRPr lang="zh-CN" altLang="en-US"/>
           </a:p>
@@ -1603,7 +1609,7 @@
           <a:p>
             <a:fld id="{8104E847-BE6B-44A1-AE02-280133FDCD15}" type="datetimeFigureOut">
               <a:rPr lang="zh-CN" altLang="en-US" smtClean="0"/>
-              <a:t>2018/5/2</a:t>
+              <a:t>2018/5/5</a:t>
             </a:fld>
             <a:endParaRPr lang="zh-CN" altLang="en-US"/>
           </a:p>
@@ -1721,7 +1727,7 @@
           <a:p>
             <a:fld id="{8104E847-BE6B-44A1-AE02-280133FDCD15}" type="datetimeFigureOut">
               <a:rPr lang="zh-CN" altLang="en-US" smtClean="0"/>
-              <a:t>2018/5/2</a:t>
+              <a:t>2018/5/5</a:t>
             </a:fld>
             <a:endParaRPr lang="zh-CN" altLang="en-US"/>
           </a:p>
@@ -1816,7 +1822,7 @@
           <a:p>
             <a:fld id="{8104E847-BE6B-44A1-AE02-280133FDCD15}" type="datetimeFigureOut">
               <a:rPr lang="zh-CN" altLang="en-US" smtClean="0"/>
-              <a:t>2018/5/2</a:t>
+              <a:t>2018/5/5</a:t>
             </a:fld>
             <a:endParaRPr lang="zh-CN" altLang="en-US"/>
           </a:p>
@@ -2093,7 +2099,7 @@
           <a:p>
             <a:fld id="{8104E847-BE6B-44A1-AE02-280133FDCD15}" type="datetimeFigureOut">
               <a:rPr lang="zh-CN" altLang="en-US" smtClean="0"/>
-              <a:t>2018/5/2</a:t>
+              <a:t>2018/5/5</a:t>
             </a:fld>
             <a:endParaRPr lang="zh-CN" altLang="en-US"/>
           </a:p>
@@ -2346,7 +2352,7 @@
           <a:p>
             <a:fld id="{8104E847-BE6B-44A1-AE02-280133FDCD15}" type="datetimeFigureOut">
               <a:rPr lang="zh-CN" altLang="en-US" smtClean="0"/>
-              <a:t>2018/5/2</a:t>
+              <a:t>2018/5/5</a:t>
             </a:fld>
             <a:endParaRPr lang="zh-CN" altLang="en-US"/>
           </a:p>
@@ -2559,7 +2565,7 @@
           <a:p>
             <a:fld id="{8104E847-BE6B-44A1-AE02-280133FDCD15}" type="datetimeFigureOut">
               <a:rPr lang="zh-CN" altLang="en-US" smtClean="0"/>
-              <a:t>2018/5/2</a:t>
+              <a:t>2018/5/5</a:t>
             </a:fld>
             <a:endParaRPr lang="zh-CN" altLang="en-US"/>
           </a:p>
@@ -3136,7 +3142,7 @@
           <a:graphicData uri="http://schemas.openxmlformats.org/presentationml/2006/ole">
             <mc:AlternateContent xmlns:mc="http://schemas.openxmlformats.org/markup-compatibility/2006">
               <mc:Choice xmlns:v="urn:schemas-microsoft-com:vml" Requires="v">
-                <p:oleObj spid="_x0000_s1042" name="AxMath" r:id="rId3" imgW="468720" imgH="380520" progId="Equation.AxMath">
+                <p:oleObj spid="_x0000_s1050" name="AxMath" r:id="rId3" imgW="468720" imgH="380520" progId="Equation.AxMath">
                   <p:embed/>
                 </p:oleObj>
               </mc:Choice>
@@ -3193,7 +3199,7 @@
           <a:graphicData uri="http://schemas.openxmlformats.org/presentationml/2006/ole">
             <mc:AlternateContent xmlns:mc="http://schemas.openxmlformats.org/markup-compatibility/2006">
               <mc:Choice xmlns:v="urn:schemas-microsoft-com:vml" Requires="v">
-                <p:oleObj spid="_x0000_s1043" name="AxMath" r:id="rId5" imgW="83160" imgH="207360" progId="Equation.AxMath">
+                <p:oleObj spid="_x0000_s1051" name="AxMath" r:id="rId5" imgW="83160" imgH="207360" progId="Equation.AxMath">
                   <p:embed/>
                 </p:oleObj>
               </mc:Choice>
@@ -3250,7 +3256,7 @@
           <a:graphicData uri="http://schemas.openxmlformats.org/presentationml/2006/ole">
             <mc:AlternateContent xmlns:mc="http://schemas.openxmlformats.org/markup-compatibility/2006">
               <mc:Choice xmlns:v="urn:schemas-microsoft-com:vml" Requires="v">
-                <p:oleObj spid="_x0000_s1044" name="AxMath" r:id="rId7" imgW="101880" imgH="207360" progId="Equation.AxMath">
+                <p:oleObj spid="_x0000_s1052" name="AxMath" r:id="rId7" imgW="101880" imgH="207360" progId="Equation.AxMath">
                   <p:embed/>
                 </p:oleObj>
               </mc:Choice>
@@ -3307,7 +3313,7 @@
           <a:graphicData uri="http://schemas.openxmlformats.org/presentationml/2006/ole">
             <mc:AlternateContent xmlns:mc="http://schemas.openxmlformats.org/markup-compatibility/2006">
               <mc:Choice xmlns:v="urn:schemas-microsoft-com:vml" Requires="v">
-                <p:oleObj spid="_x0000_s1045" name="AxMath" r:id="rId9" imgW="101160" imgH="207360" progId="Equation.AxMath">
+                <p:oleObj spid="_x0000_s1053" name="AxMath" r:id="rId9" imgW="101160" imgH="207360" progId="Equation.AxMath">
                   <p:embed/>
                 </p:oleObj>
               </mc:Choice>
@@ -3364,7 +3370,7 @@
           <a:graphicData uri="http://schemas.openxmlformats.org/presentationml/2006/ole">
             <mc:AlternateContent xmlns:mc="http://schemas.openxmlformats.org/markup-compatibility/2006">
               <mc:Choice xmlns:v="urn:schemas-microsoft-com:vml" Requires="v">
-                <p:oleObj spid="_x0000_s1046" name="AxMath" r:id="rId11" imgW="118800" imgH="207360" progId="Equation.AxMath">
+                <p:oleObj spid="_x0000_s1054" name="AxMath" r:id="rId11" imgW="118800" imgH="207360" progId="Equation.AxMath">
                   <p:embed/>
                 </p:oleObj>
               </mc:Choice>
@@ -3421,7 +3427,7 @@
           <a:graphicData uri="http://schemas.openxmlformats.org/presentationml/2006/ole">
             <mc:AlternateContent xmlns:mc="http://schemas.openxmlformats.org/markup-compatibility/2006">
               <mc:Choice xmlns:v="urn:schemas-microsoft-com:vml" Requires="v">
-                <p:oleObj spid="_x0000_s1047" name="AxMath" r:id="rId13" imgW="110880" imgH="207360" progId="Equation.AxMath">
+                <p:oleObj spid="_x0000_s1055" name="AxMath" r:id="rId13" imgW="110880" imgH="207360" progId="Equation.AxMath">
                   <p:embed/>
                 </p:oleObj>
               </mc:Choice>
@@ -3478,7 +3484,7 @@
           <a:graphicData uri="http://schemas.openxmlformats.org/presentationml/2006/ole">
             <mc:AlternateContent xmlns:mc="http://schemas.openxmlformats.org/markup-compatibility/2006">
               <mc:Choice xmlns:v="urn:schemas-microsoft-com:vml" Requires="v">
-                <p:oleObj spid="_x0000_s1048" name="AxMath" r:id="rId15" imgW="139320" imgH="207360" progId="Equation.AxMath">
+                <p:oleObj spid="_x0000_s1056" name="AxMath" r:id="rId15" imgW="139320" imgH="207360" progId="Equation.AxMath">
                   <p:embed/>
                 </p:oleObj>
               </mc:Choice>
@@ -3535,7 +3541,7 @@
           <a:graphicData uri="http://schemas.openxmlformats.org/presentationml/2006/ole">
             <mc:AlternateContent xmlns:mc="http://schemas.openxmlformats.org/markup-compatibility/2006">
               <mc:Choice xmlns:v="urn:schemas-microsoft-com:vml" Requires="v">
-                <p:oleObj spid="_x0000_s1049" name="AxMath" r:id="rId17" imgW="141120" imgH="207360" progId="Equation.AxMath">
+                <p:oleObj spid="_x0000_s1057" name="AxMath" r:id="rId17" imgW="141120" imgH="207360" progId="Equation.AxMath">
                   <p:embed/>
                 </p:oleObj>
               </mc:Choice>
@@ -3574,6 +3580,164 @@
     <p:extLst>
       <p:ext uri="{BB962C8B-B14F-4D97-AF65-F5344CB8AC3E}">
         <p14:creationId xmlns:p14="http://schemas.microsoft.com/office/powerpoint/2010/main" val="1250679569"/>
+      </p:ext>
+    </p:extLst>
+  </p:cSld>
+  <p:clrMapOvr>
+    <a:masterClrMapping/>
+  </p:clrMapOvr>
+</p:sld>
+</file>
+
+<file path=ppt/slides/slide2.xml><?xml version="1.0" encoding="utf-8"?>
+<p:sld xmlns:a="http://schemas.openxmlformats.org/drawingml/2006/main" xmlns:r="http://schemas.openxmlformats.org/officeDocument/2006/relationships" xmlns:p="http://schemas.openxmlformats.org/presentationml/2006/main">
+  <p:cSld>
+    <p:spTree>
+      <p:nvGrpSpPr>
+        <p:cNvPr id="1" name=""/>
+        <p:cNvGrpSpPr/>
+        <p:nvPr/>
+      </p:nvGrpSpPr>
+      <p:grpSpPr>
+        <a:xfrm>
+          <a:off x="0" y="0"/>
+          <a:ext cx="0" cy="0"/>
+          <a:chOff x="0" y="0"/>
+          <a:chExt cx="0" cy="0"/>
+        </a:xfrm>
+      </p:grpSpPr>
+      <p:sp>
+        <p:nvSpPr>
+          <p:cNvPr id="4" name="文本框 3"/>
+          <p:cNvSpPr txBox="1"/>
+          <p:nvPr/>
+        </p:nvSpPr>
+        <p:spPr>
+          <a:xfrm>
+            <a:off x="1147313" y="923026"/>
+            <a:ext cx="9842740" cy="1477328"/>
+          </a:xfrm>
+          <a:prstGeom prst="rect">
+            <a:avLst/>
+          </a:prstGeom>
+          <a:noFill/>
+        </p:spPr>
+        <p:txBody>
+          <a:bodyPr wrap="square" rtlCol="0">
+            <a:spAutoFit/>
+          </a:bodyPr>
+          <a:lstStyle/>
+          <a:p>
+            <a:r>
+              <a:rPr lang="zh-CN" altLang="en-US" dirty="0" smtClean="0"/>
+              <a:t>求解电流密度</a:t>
+            </a:r>
+            <a:r>
+              <a:rPr lang="en-US" altLang="zh-CN" dirty="0" smtClean="0"/>
+              <a:t>J</a:t>
+            </a:r>
+            <a:r>
+              <a:rPr lang="zh-CN" altLang="en-US" dirty="0" smtClean="0"/>
+              <a:t>时，需要确定每个粒子的位置。</a:t>
+            </a:r>
+            <a:r>
+              <a:rPr lang="en-US" altLang="zh-CN" dirty="0" smtClean="0"/>
+              <a:t>J</a:t>
+            </a:r>
+            <a:r>
+              <a:rPr lang="zh-CN" altLang="en-US" dirty="0" smtClean="0"/>
+              <a:t>是半时刻的值，</a:t>
+            </a:r>
+            <a:r>
+              <a:rPr lang="en-US" altLang="zh-CN" dirty="0" smtClean="0"/>
+              <a:t>z</a:t>
+            </a:r>
+            <a:r>
+              <a:rPr lang="zh-CN" altLang="en-US" dirty="0" smtClean="0"/>
+              <a:t>是整时刻的值，因此先将</a:t>
+            </a:r>
+            <a:r>
+              <a:rPr lang="en-US" altLang="zh-CN" dirty="0" smtClean="0"/>
+              <a:t>z</a:t>
+            </a:r>
+            <a:r>
+              <a:rPr lang="zh-CN" altLang="en-US" dirty="0" smtClean="0"/>
+              <a:t>调整到半时刻，再去求解</a:t>
+            </a:r>
+            <a:r>
+              <a:rPr lang="en-US" altLang="zh-CN" dirty="0" smtClean="0"/>
+              <a:t>J</a:t>
+            </a:r>
+            <a:r>
+              <a:rPr lang="zh-CN" altLang="en-US" dirty="0" smtClean="0"/>
+              <a:t>。</a:t>
+            </a:r>
+            <a:endParaRPr lang="en-US" altLang="zh-CN" dirty="0" smtClean="0"/>
+          </a:p>
+          <a:p>
+            <a:endParaRPr lang="en-US" altLang="zh-CN" dirty="0"/>
+          </a:p>
+          <a:p>
+            <a:r>
+              <a:rPr lang="zh-CN" altLang="en-US" dirty="0" smtClean="0"/>
+              <a:t>粒子速度</a:t>
+            </a:r>
+            <a:r>
+              <a:rPr lang="en-US" altLang="zh-CN" dirty="0" smtClean="0"/>
+              <a:t>v</a:t>
+            </a:r>
+            <a:r>
+              <a:rPr lang="zh-CN" altLang="en-US" dirty="0" smtClean="0"/>
+              <a:t>处于半时刻，更新其值时，需要用到整时刻的</a:t>
+            </a:r>
+            <a:r>
+              <a:rPr lang="en-US" altLang="zh-CN" dirty="0" smtClean="0"/>
+              <a:t>E</a:t>
+            </a:r>
+            <a:r>
+              <a:rPr lang="zh-CN" altLang="en-US" dirty="0" smtClean="0"/>
+              <a:t>和</a:t>
+            </a:r>
+            <a:r>
+              <a:rPr lang="en-US" altLang="zh-CN" dirty="0" smtClean="0"/>
+              <a:t>B</a:t>
+            </a:r>
+            <a:r>
+              <a:rPr lang="zh-CN" altLang="en-US" dirty="0" smtClean="0"/>
+              <a:t>，</a:t>
+            </a:r>
+            <a:r>
+              <a:rPr lang="en-US" altLang="zh-CN" dirty="0" smtClean="0"/>
+              <a:t>E</a:t>
+            </a:r>
+            <a:r>
+              <a:rPr lang="zh-CN" altLang="en-US" dirty="0" smtClean="0"/>
+              <a:t>本来就在整时刻处，需要将</a:t>
+            </a:r>
+            <a:r>
+              <a:rPr lang="en-US" altLang="zh-CN" dirty="0" smtClean="0"/>
+              <a:t>B</a:t>
+            </a:r>
+            <a:r>
+              <a:rPr lang="zh-CN" altLang="en-US" dirty="0" smtClean="0"/>
+              <a:t>调整到整时刻处，调整的方法是前后两个半时刻的</a:t>
+            </a:r>
+            <a:r>
+              <a:rPr lang="en-US" altLang="zh-CN" dirty="0" smtClean="0"/>
+              <a:t>B</a:t>
+            </a:r>
+            <a:r>
+              <a:rPr lang="zh-CN" altLang="en-US" dirty="0" smtClean="0"/>
+              <a:t>值求平均。</a:t>
+            </a:r>
+            <a:endParaRPr lang="zh-CN" altLang="en-US" dirty="0"/>
+          </a:p>
+        </p:txBody>
+      </p:sp>
+    </p:spTree>
+    <p:extLst>
+      <p:ext uri="{BB962C8B-B14F-4D97-AF65-F5344CB8AC3E}">
+        <p14:creationId xmlns:p14="http://schemas.microsoft.com/office/powerpoint/2010/main" val="1052853145"/>
       </p:ext>
     </p:extLst>
   </p:cSld>
